--- a/reposlides/18.06.12.EMAM2Middleware.pptx
+++ b/reposlides/18.06.12.EMAM2Middleware.pptx
@@ -4136,8 +4136,8 @@
           <a:p>
             <a:pPr eaLnBrk="1" hangingPunct="1"/>
             <a:r>
-              <a:rPr lang="de-DE" smtClean="0"/>
-              <a:t>13.03.2018</a:t>
+              <a:rPr lang="de-DE" dirty="0" smtClean="0"/>
+              <a:t>12.06.2018</a:t>
             </a:r>
             <a:endParaRPr lang="de-DE" dirty="0"/>
           </a:p>
@@ -4178,7 +4178,7 @@
         <p:spPr bwMode="auto">
           <a:xfrm>
             <a:off x="1219200" y="4724400"/>
-            <a:ext cx="3419526" cy="1631216"/>
+            <a:ext cx="2703241" cy="1938992"/>
           </a:xfrm>
           <a:prstGeom prst="rect">
             <a:avLst/>
@@ -4203,7 +4203,25 @@
                   <a:srgbClr val="000000"/>
                 </a:solidFill>
               </a:rPr>
-              <a:t>Dipl.-Ing. Evgeny Kusmenko</a:t>
+              <a:t>Alexander Hellwig</a:t>
+            </a:r>
+          </a:p>
+          <a:p>
+            <a:r>
+              <a:rPr lang="de-DE" sz="2000" smtClean="0">
+                <a:solidFill>
+                  <a:srgbClr val="000000"/>
+                </a:solidFill>
+              </a:rPr>
+              <a:t>Evgeny </a:t>
+            </a:r>
+            <a:r>
+              <a:rPr lang="de-DE" sz="2000" dirty="0" smtClean="0">
+                <a:solidFill>
+                  <a:srgbClr val="000000"/>
+                </a:solidFill>
+              </a:rPr>
+              <a:t>Kusmenko</a:t>
             </a:r>
             <a:endParaRPr lang="de-DE" sz="2000" dirty="0">
               <a:solidFill>
@@ -10559,7 +10577,7 @@
               <a:t>Generated</a:t>
             </a:r>
             <a:r>
-              <a:rPr lang="de-DE" smtClean="0"/>
+              <a:rPr lang="de-DE" dirty="0" smtClean="0"/>
               <a:t> Adapter</a:t>
             </a:r>
             <a:endParaRPr lang="de-DE" dirty="0"/>
